--- a/Documentação/App_CM_Fase 2.pptx
+++ b/Documentação/App_CM_Fase 2.pptx
@@ -7,12 +7,14 @@
   <p:sldIdLst>
     <p:sldId id="256" r:id="rId2"/>
     <p:sldId id="261" r:id="rId3"/>
-    <p:sldId id="257" r:id="rId4"/>
-    <p:sldId id="258" r:id="rId5"/>
-    <p:sldId id="259" r:id="rId6"/>
-    <p:sldId id="262" r:id="rId7"/>
-    <p:sldId id="260" r:id="rId8"/>
-    <p:sldId id="263" r:id="rId9"/>
+    <p:sldId id="264" r:id="rId4"/>
+    <p:sldId id="257" r:id="rId5"/>
+    <p:sldId id="258" r:id="rId6"/>
+    <p:sldId id="259" r:id="rId7"/>
+    <p:sldId id="262" r:id="rId8"/>
+    <p:sldId id="260" r:id="rId9"/>
+    <p:sldId id="263" r:id="rId10"/>
+    <p:sldId id="265" r:id="rId11"/>
   </p:sldIdLst>
   <p:sldSz cx="12192000" cy="6858000"/>
   <p:notesSz cx="6858000" cy="9144000"/>
@@ -304,7 +306,7 @@
           <a:p>
             <a:fld id="{3469D067-3832-438F-B723-F00D95C8826B}" type="datetimeFigureOut">
               <a:rPr lang="pt-PT" smtClean="0"/>
-              <a:t>10/12/2018</a:t>
+              <a:t>13/12/2018</a:t>
             </a:fld>
             <a:endParaRPr lang="pt-PT"/>
           </a:p>
@@ -602,7 +604,7 @@
           <a:p>
             <a:fld id="{3469D067-3832-438F-B723-F00D95C8826B}" type="datetimeFigureOut">
               <a:rPr lang="pt-PT" smtClean="0"/>
-              <a:t>10/12/2018</a:t>
+              <a:t>13/12/2018</a:t>
             </a:fld>
             <a:endParaRPr lang="pt-PT"/>
           </a:p>
@@ -794,7 +796,7 @@
           <a:p>
             <a:fld id="{3469D067-3832-438F-B723-F00D95C8826B}" type="datetimeFigureOut">
               <a:rPr lang="pt-PT" smtClean="0"/>
-              <a:t>10/12/2018</a:t>
+              <a:t>13/12/2018</a:t>
             </a:fld>
             <a:endParaRPr lang="pt-PT"/>
           </a:p>
@@ -1055,7 +1057,7 @@
           <a:p>
             <a:fld id="{3469D067-3832-438F-B723-F00D95C8826B}" type="datetimeFigureOut">
               <a:rPr lang="pt-PT" smtClean="0"/>
-              <a:t>10/12/2018</a:t>
+              <a:t>13/12/2018</a:t>
             </a:fld>
             <a:endParaRPr lang="pt-PT"/>
           </a:p>
@@ -1479,7 +1481,7 @@
           <a:p>
             <a:fld id="{3469D067-3832-438F-B723-F00D95C8826B}" type="datetimeFigureOut">
               <a:rPr lang="pt-PT" smtClean="0"/>
-              <a:t>10/12/2018</a:t>
+              <a:t>13/12/2018</a:t>
             </a:fld>
             <a:endParaRPr lang="pt-PT"/>
           </a:p>
@@ -2016,7 +2018,7 @@
           <a:p>
             <a:fld id="{3469D067-3832-438F-B723-F00D95C8826B}" type="datetimeFigureOut">
               <a:rPr lang="pt-PT" smtClean="0"/>
-              <a:t>10/12/2018</a:t>
+              <a:t>13/12/2018</a:t>
             </a:fld>
             <a:endParaRPr lang="pt-PT"/>
           </a:p>
@@ -2880,7 +2882,7 @@
           <a:p>
             <a:fld id="{3469D067-3832-438F-B723-F00D95C8826B}" type="datetimeFigureOut">
               <a:rPr lang="pt-PT" smtClean="0"/>
-              <a:t>10/12/2018</a:t>
+              <a:t>13/12/2018</a:t>
             </a:fld>
             <a:endParaRPr lang="pt-PT"/>
           </a:p>
@@ -3050,7 +3052,7 @@
           <a:p>
             <a:fld id="{3469D067-3832-438F-B723-F00D95C8826B}" type="datetimeFigureOut">
               <a:rPr lang="pt-PT" smtClean="0"/>
-              <a:t>10/12/2018</a:t>
+              <a:t>13/12/2018</a:t>
             </a:fld>
             <a:endParaRPr lang="pt-PT"/>
           </a:p>
@@ -3234,7 +3236,7 @@
           <a:p>
             <a:fld id="{3469D067-3832-438F-B723-F00D95C8826B}" type="datetimeFigureOut">
               <a:rPr lang="pt-PT" smtClean="0"/>
-              <a:t>10/12/2018</a:t>
+              <a:t>13/12/2018</a:t>
             </a:fld>
             <a:endParaRPr lang="pt-PT"/>
           </a:p>
@@ -3404,7 +3406,7 @@
           <a:p>
             <a:fld id="{3469D067-3832-438F-B723-F00D95C8826B}" type="datetimeFigureOut">
               <a:rPr lang="pt-PT" smtClean="0"/>
-              <a:t>10/12/2018</a:t>
+              <a:t>13/12/2018</a:t>
             </a:fld>
             <a:endParaRPr lang="pt-PT"/>
           </a:p>
@@ -3648,7 +3650,7 @@
           <a:p>
             <a:fld id="{3469D067-3832-438F-B723-F00D95C8826B}" type="datetimeFigureOut">
               <a:rPr lang="pt-PT" smtClean="0"/>
-              <a:t>10/12/2018</a:t>
+              <a:t>13/12/2018</a:t>
             </a:fld>
             <a:endParaRPr lang="pt-PT"/>
           </a:p>
@@ -3884,7 +3886,7 @@
           <a:p>
             <a:fld id="{3469D067-3832-438F-B723-F00D95C8826B}" type="datetimeFigureOut">
               <a:rPr lang="pt-PT" smtClean="0"/>
-              <a:t>10/12/2018</a:t>
+              <a:t>13/12/2018</a:t>
             </a:fld>
             <a:endParaRPr lang="pt-PT"/>
           </a:p>
@@ -4350,7 +4352,7 @@
           <a:p>
             <a:fld id="{3469D067-3832-438F-B723-F00D95C8826B}" type="datetimeFigureOut">
               <a:rPr lang="pt-PT" smtClean="0"/>
-              <a:t>10/12/2018</a:t>
+              <a:t>13/12/2018</a:t>
             </a:fld>
             <a:endParaRPr lang="pt-PT"/>
           </a:p>
@@ -4468,7 +4470,7 @@
           <a:p>
             <a:fld id="{3469D067-3832-438F-B723-F00D95C8826B}" type="datetimeFigureOut">
               <a:rPr lang="pt-PT" smtClean="0"/>
-              <a:t>10/12/2018</a:t>
+              <a:t>13/12/2018</a:t>
             </a:fld>
             <a:endParaRPr lang="pt-PT"/>
           </a:p>
@@ -4563,7 +4565,7 @@
           <a:p>
             <a:fld id="{3469D067-3832-438F-B723-F00D95C8826B}" type="datetimeFigureOut">
               <a:rPr lang="pt-PT" smtClean="0"/>
-              <a:t>10/12/2018</a:t>
+              <a:t>13/12/2018</a:t>
             </a:fld>
             <a:endParaRPr lang="pt-PT"/>
           </a:p>
@@ -4818,7 +4820,7 @@
           <a:p>
             <a:fld id="{3469D067-3832-438F-B723-F00D95C8826B}" type="datetimeFigureOut">
               <a:rPr lang="pt-PT" smtClean="0"/>
-              <a:t>10/12/2018</a:t>
+              <a:t>13/12/2018</a:t>
             </a:fld>
             <a:endParaRPr lang="pt-PT"/>
           </a:p>
@@ -5118,7 +5120,7 @@
           <a:p>
             <a:fld id="{3469D067-3832-438F-B723-F00D95C8826B}" type="datetimeFigureOut">
               <a:rPr lang="pt-PT" smtClean="0"/>
-              <a:t>10/12/2018</a:t>
+              <a:t>13/12/2018</a:t>
             </a:fld>
             <a:endParaRPr lang="pt-PT"/>
           </a:p>
@@ -5352,7 +5354,7 @@
           <a:p>
             <a:fld id="{3469D067-3832-438F-B723-F00D95C8826B}" type="datetimeFigureOut">
               <a:rPr lang="pt-PT" smtClean="0"/>
-              <a:t>10/12/2018</a:t>
+              <a:t>13/12/2018</a:t>
             </a:fld>
             <a:endParaRPr lang="pt-PT"/>
           </a:p>
@@ -6672,6 +6674,104 @@
 </p:sld>
 </file>
 
+<file path=ppt/slides/slide10.xml><?xml version="1.0" encoding="utf-8"?>
+<p:sld xmlns:a="http://schemas.openxmlformats.org/drawingml/2006/main" xmlns:r="http://schemas.openxmlformats.org/officeDocument/2006/relationships" xmlns:p="http://schemas.openxmlformats.org/presentationml/2006/main">
+  <p:cSld>
+    <p:spTree>
+      <p:nvGrpSpPr>
+        <p:cNvPr id="1" name=""/>
+        <p:cNvGrpSpPr/>
+        <p:nvPr/>
+      </p:nvGrpSpPr>
+      <p:grpSpPr>
+        <a:xfrm>
+          <a:off x="0" y="0"/>
+          <a:ext cx="0" cy="0"/>
+          <a:chOff x="0" y="0"/>
+          <a:chExt cx="0" cy="0"/>
+        </a:xfrm>
+      </p:grpSpPr>
+      <p:sp>
+        <p:nvSpPr>
+          <p:cNvPr id="2" name="Título 1">
+            <a:extLst>
+              <a:ext uri="{FF2B5EF4-FFF2-40B4-BE49-F238E27FC236}">
+                <a16:creationId xmlns:a16="http://schemas.microsoft.com/office/drawing/2014/main" id="{158D2F38-7D0E-439E-9FEF-D3FFC90431AE}"/>
+              </a:ext>
+            </a:extLst>
+          </p:cNvPr>
+          <p:cNvSpPr>
+            <a:spLocks noGrp="1"/>
+          </p:cNvSpPr>
+          <p:nvPr>
+            <p:ph type="title"/>
+          </p:nvPr>
+        </p:nvSpPr>
+        <p:spPr>
+          <a:xfrm>
+            <a:off x="3263099" y="2943775"/>
+            <a:ext cx="10353762" cy="970450"/>
+          </a:xfrm>
+        </p:spPr>
+        <p:txBody>
+          <a:bodyPr/>
+          <a:lstStyle/>
+          <a:p>
+            <a:r>
+              <a:rPr lang="pt-PT" dirty="0"/>
+              <a:t>Poster</a:t>
+            </a:r>
+          </a:p>
+        </p:txBody>
+      </p:sp>
+      <p:pic>
+        <p:nvPicPr>
+          <p:cNvPr id="5" name="Marcador de Posição de Conteúdo 4">
+            <a:extLst>
+              <a:ext uri="{FF2B5EF4-FFF2-40B4-BE49-F238E27FC236}">
+                <a16:creationId xmlns:a16="http://schemas.microsoft.com/office/drawing/2014/main" id="{4C1612A7-0EEF-435E-BFB2-38AE998785EF}"/>
+              </a:ext>
+            </a:extLst>
+          </p:cNvPr>
+          <p:cNvPicPr>
+            <a:picLocks noGrp="1" noChangeAspect="1"/>
+          </p:cNvPicPr>
+          <p:nvPr>
+            <p:ph idx="1"/>
+          </p:nvPr>
+        </p:nvPicPr>
+        <p:blipFill>
+          <a:blip r:embed="rId2">
+            <a:extLst>
+              <a:ext uri="{28A0092B-C50C-407E-A947-70E740481C1C}">
+                <a14:useLocalDpi xmlns:a14="http://schemas.microsoft.com/office/drawing/2010/main" val="0"/>
+              </a:ext>
+            </a:extLst>
+          </a:blip>
+          <a:stretch>
+            <a:fillRect/>
+          </a:stretch>
+        </p:blipFill>
+        <p:spPr>
+          <a:xfrm>
+            <a:off x="2266861" y="406067"/>
+            <a:ext cx="4274616" cy="6045866"/>
+          </a:xfrm>
+        </p:spPr>
+      </p:pic>
+    </p:spTree>
+    <p:extLst>
+      <p:ext uri="{BB962C8B-B14F-4D97-AF65-F5344CB8AC3E}">
+        <p14:creationId xmlns:p14="http://schemas.microsoft.com/office/powerpoint/2010/main" val="489567248"/>
+      </p:ext>
+    </p:extLst>
+  </p:cSld>
+  <p:clrMapOvr>
+    <a:masterClrMapping/>
+  </p:clrMapOvr>
+</p:sld>
+</file>
+
 <file path=ppt/slides/slide2.xml><?xml version="1.0" encoding="utf-8"?>
 <p:sld xmlns:a="http://schemas.openxmlformats.org/drawingml/2006/main" xmlns:r="http://schemas.openxmlformats.org/officeDocument/2006/relationships" xmlns:p="http://schemas.openxmlformats.org/presentationml/2006/main">
   <p:cSld>
@@ -6859,8 +6959,8 @@
         </p:blipFill>
         <p:spPr bwMode="auto">
           <a:xfrm>
-            <a:off x="981300" y="501528"/>
-            <a:ext cx="2695575" cy="5591175"/>
+            <a:off x="2482604" y="2415859"/>
+            <a:ext cx="2049292" cy="4250651"/>
           </a:xfrm>
           <a:prstGeom prst="rect">
             <a:avLst/>
@@ -6875,6 +6975,42 @@
               </a14:hiddenFill>
             </a:ext>
           </a:extLst>
+        </p:spPr>
+      </p:pic>
+      <p:pic>
+        <p:nvPicPr>
+          <p:cNvPr id="5" name="Imagem 4">
+            <a:extLst>
+              <a:ext uri="{FF2B5EF4-FFF2-40B4-BE49-F238E27FC236}">
+                <a16:creationId xmlns:a16="http://schemas.microsoft.com/office/drawing/2014/main" id="{B867473B-7C4B-44A5-88E4-197F89A76F05}"/>
+              </a:ext>
+            </a:extLst>
+          </p:cNvPr>
+          <p:cNvPicPr>
+            <a:picLocks noChangeAspect="1"/>
+          </p:cNvPicPr>
+          <p:nvPr/>
+        </p:nvPicPr>
+        <p:blipFill>
+          <a:blip r:embed="rId5">
+            <a:extLst>
+              <a:ext uri="{28A0092B-C50C-407E-A947-70E740481C1C}">
+                <a14:useLocalDpi xmlns:a14="http://schemas.microsoft.com/office/drawing/2010/main" val="0"/>
+              </a:ext>
+            </a:extLst>
+          </a:blip>
+          <a:stretch>
+            <a:fillRect/>
+          </a:stretch>
+        </p:blipFill>
+        <p:spPr>
+          <a:xfrm>
+            <a:off x="267265" y="290534"/>
+            <a:ext cx="2067352" cy="4250651"/>
+          </a:xfrm>
+          <a:prstGeom prst="rect">
+            <a:avLst/>
+          </a:prstGeom>
         </p:spPr>
       </p:pic>
     </p:spTree>
@@ -6893,26 +7029,6 @@
 <file path=ppt/slides/slide3.xml><?xml version="1.0" encoding="utf-8"?>
 <p:sld xmlns:a="http://schemas.openxmlformats.org/drawingml/2006/main" xmlns:r="http://schemas.openxmlformats.org/officeDocument/2006/relationships" xmlns:p="http://schemas.openxmlformats.org/presentationml/2006/main">
   <p:cSld>
-    <p:bg>
-      <p:bgPr>
-        <a:blipFill rotWithShape="1">
-          <a:blip r:embed="rId2">
-            <a:duotone>
-              <a:schemeClr val="bg2">
-                <a:shade val="80000"/>
-                <a:lumMod val="80000"/>
-              </a:schemeClr>
-              <a:schemeClr val="bg2">
-                <a:tint val="98000"/>
-              </a:schemeClr>
-            </a:duotone>
-            <a:extLst/>
-          </a:blip>
-          <a:stretch/>
-        </a:blipFill>
-        <a:effectLst/>
-      </p:bgPr>
-    </p:bg>
     <p:spTree>
       <p:nvGrpSpPr>
         <p:cNvPr id="1" name=""/>
@@ -6932,7 +7048,7 @@
           <p:cNvPr id="2" name="Título 1">
             <a:extLst>
               <a:ext uri="{FF2B5EF4-FFF2-40B4-BE49-F238E27FC236}">
-                <a16:creationId xmlns:a16="http://schemas.microsoft.com/office/drawing/2014/main" id="{7B3CCC53-83DD-4A5A-82F8-C8EC25A9466C}"/>
+                <a16:creationId xmlns:a16="http://schemas.microsoft.com/office/drawing/2014/main" id="{3F6B7A29-BDC5-4C9C-9690-EE49B9350955}"/>
               </a:ext>
             </a:extLst>
           </p:cNvPr>
@@ -6956,8 +7072,8 @@
           <a:lstStyle/>
           <a:p>
             <a:r>
-              <a:rPr lang="en-US" sz="5400"/>
-              <a:t>Noticias</a:t>
+              <a:rPr lang="en-US" sz="5400" dirty="0"/>
+              <a:t>Drawer Menu</a:t>
             </a:r>
           </a:p>
         </p:txBody>
@@ -6967,7 +7083,7 @@
           <p:cNvPr id="3" name="Marcador de Posição de Conteúdo 2">
             <a:extLst>
               <a:ext uri="{FF2B5EF4-FFF2-40B4-BE49-F238E27FC236}">
-                <a16:creationId xmlns:a16="http://schemas.microsoft.com/office/drawing/2014/main" id="{ABD1E0E5-0A56-4264-824A-3BB223652E4D}"/>
+                <a16:creationId xmlns:a16="http://schemas.microsoft.com/office/drawing/2014/main" id="{D67EB679-5D4E-49F6-BFE3-B44EF2D9551C}"/>
               </a:ext>
             </a:extLst>
           </p:cNvPr>
@@ -6994,111 +7110,69 @@
               <a:buNone/>
             </a:pPr>
             <a:r>
-              <a:rPr lang="en-US">
-                <a:solidFill>
-                  <a:srgbClr val="E9B86A"/>
+              <a:rPr lang="en-US" dirty="0">
+                <a:solidFill>
+                  <a:srgbClr val="2880E5"/>
                 </a:solidFill>
               </a:rPr>
-              <a:t>Mostra as todas as noticias que estão na base de dados</a:t>
-            </a:r>
+              <a:t>Menu lateral da </a:t>
+            </a:r>
+            <a:r>
+              <a:rPr lang="en-US" dirty="0" err="1">
+                <a:solidFill>
+                  <a:srgbClr val="2880E5"/>
+                </a:solidFill>
+              </a:rPr>
+              <a:t>aplicação</a:t>
+            </a:r>
+            <a:endParaRPr lang="en-US" dirty="0">
+              <a:solidFill>
+                <a:srgbClr val="2880E5"/>
+              </a:solidFill>
+            </a:endParaRPr>
           </a:p>
         </p:txBody>
       </p:sp>
       <p:pic>
         <p:nvPicPr>
-          <p:cNvPr id="75" name="Picture 74">
+          <p:cNvPr id="6" name="Imagem 5">
             <a:extLst>
               <a:ext uri="{FF2B5EF4-FFF2-40B4-BE49-F238E27FC236}">
-                <a16:creationId xmlns:a16="http://schemas.microsoft.com/office/drawing/2014/main" id="{76AAFF90-89E1-46D5-B8B5-3BFDBB92D867}"/>
-              </a:ext>
-              <a:ext uri="{C183D7F6-B498-43B3-948B-1728B52AA6E4}">
-                <adec:decorative xmlns:adec="http://schemas.microsoft.com/office/drawing/2017/decorative" val="1"/>
+                <a16:creationId xmlns:a16="http://schemas.microsoft.com/office/drawing/2014/main" id="{7877442D-ED22-4D1D-ACA1-04036330F02C}"/>
               </a:ext>
             </a:extLst>
           </p:cNvPr>
           <p:cNvPicPr>
-            <a:picLocks noGrp="1" noRot="1" noChangeAspect="1" noMove="1" noResize="1" noEditPoints="1" noAdjustHandles="1" noChangeArrowheads="1" noChangeShapeType="1" noCrop="1"/>
+            <a:picLocks noChangeAspect="1"/>
           </p:cNvPicPr>
-          <p:nvPr>
-            <p:extLst>
-              <p:ext uri="{386F3935-93C4-4BCD-93E2-E3B085C9AB24}">
-                <p16:designElem xmlns:p16="http://schemas.microsoft.com/office/powerpoint/2015/main" val="1"/>
-              </p:ext>
-            </p:extLst>
-          </p:nvPr>
+          <p:nvPr/>
         </p:nvPicPr>
-        <p:blipFill rotWithShape="1">
-          <a:blip r:embed="rId3">
+        <p:blipFill>
+          <a:blip r:embed="rId2">
             <a:extLst>
               <a:ext uri="{28A0092B-C50C-407E-A947-70E740481C1C}">
                 <a14:useLocalDpi xmlns:a14="http://schemas.microsoft.com/office/drawing/2010/main" val="0"/>
               </a:ext>
             </a:extLst>
           </a:blip>
-          <a:srcRect t="964" r="2807" b="1446"/>
-          <a:stretch/>
-        </p:blipFill>
-        <p:spPr>
-          <a:xfrm>
-            <a:off x="-10649" y="1"/>
-            <a:ext cx="4690532" cy="6858000"/>
-          </a:xfrm>
-          <a:prstGeom prst="rect">
-            <a:avLst/>
-          </a:prstGeom>
-        </p:spPr>
-      </p:pic>
-      <p:pic>
-        <p:nvPicPr>
-          <p:cNvPr id="1026" name="Picture 2" descr="https://media.discordapp.net/attachments/405567673808977922/521505000459993091/Screenshot_20181210-015429.jpg?width=283&amp;height=587">
-            <a:extLst>
-              <a:ext uri="{FF2B5EF4-FFF2-40B4-BE49-F238E27FC236}">
-                <a16:creationId xmlns:a16="http://schemas.microsoft.com/office/drawing/2014/main" id="{898AE67E-FB79-49C5-94A4-15534DDEE408}"/>
-              </a:ext>
-            </a:extLst>
-          </p:cNvPr>
-          <p:cNvPicPr>
-            <a:picLocks noChangeAspect="1" noChangeArrowheads="1"/>
-          </p:cNvPicPr>
-          <p:nvPr/>
-        </p:nvPicPr>
-        <p:blipFill>
-          <a:blip r:embed="rId4">
-            <a:extLst>
-              <a:ext uri="{28A0092B-C50C-407E-A947-70E740481C1C}">
-                <a14:useLocalDpi xmlns:a14="http://schemas.microsoft.com/office/drawing/2010/main" val="0"/>
-              </a:ext>
-            </a:extLst>
-          </a:blip>
-          <a:srcRect/>
           <a:stretch>
             <a:fillRect/>
           </a:stretch>
         </p:blipFill>
-        <p:spPr bwMode="auto">
-          <a:xfrm>
-            <a:off x="986829" y="563074"/>
-            <a:ext cx="2695575" cy="5591175"/>
+        <p:spPr>
+          <a:xfrm>
+            <a:off x="492368" y="225329"/>
+            <a:ext cx="3844405" cy="6407342"/>
           </a:xfrm>
           <a:prstGeom prst="rect">
             <a:avLst/>
           </a:prstGeom>
-          <a:noFill/>
-          <a:extLst>
-            <a:ext uri="{909E8E84-426E-40DD-AFC4-6F175D3DCCD1}">
-              <a14:hiddenFill xmlns:a14="http://schemas.microsoft.com/office/drawing/2010/main">
-                <a:solidFill>
-                  <a:srgbClr val="FFFFFF"/>
-                </a:solidFill>
-              </a14:hiddenFill>
-            </a:ext>
-          </a:extLst>
         </p:spPr>
       </p:pic>
     </p:spTree>
     <p:extLst>
       <p:ext uri="{BB962C8B-B14F-4D97-AF65-F5344CB8AC3E}">
-        <p14:creationId xmlns:p14="http://schemas.microsoft.com/office/powerpoint/2010/main" val="170606599"/>
+        <p14:creationId xmlns:p14="http://schemas.microsoft.com/office/powerpoint/2010/main" val="3596106546"/>
       </p:ext>
     </p:extLst>
   </p:cSld>
@@ -7150,7 +7224,7 @@
           <p:cNvPr id="2" name="Título 1">
             <a:extLst>
               <a:ext uri="{FF2B5EF4-FFF2-40B4-BE49-F238E27FC236}">
-                <a16:creationId xmlns:a16="http://schemas.microsoft.com/office/drawing/2014/main" id="{58B6A454-25A1-4F83-93F7-129D2238C8DC}"/>
+                <a16:creationId xmlns:a16="http://schemas.microsoft.com/office/drawing/2014/main" id="{7B3CCC53-83DD-4A5A-82F8-C8EC25A9466C}"/>
               </a:ext>
             </a:extLst>
           </p:cNvPr>
@@ -7175,7 +7249,7 @@
           <a:p>
             <a:r>
               <a:rPr lang="en-US" sz="5400"/>
-              <a:t>Calendário</a:t>
+              <a:t>Noticias</a:t>
             </a:r>
           </a:p>
         </p:txBody>
@@ -7185,7 +7259,7 @@
           <p:cNvPr id="3" name="Marcador de Posição de Conteúdo 2">
             <a:extLst>
               <a:ext uri="{FF2B5EF4-FFF2-40B4-BE49-F238E27FC236}">
-                <a16:creationId xmlns:a16="http://schemas.microsoft.com/office/drawing/2014/main" id="{2811C6D3-FA69-4117-B817-97FD1015C5E5}"/>
+                <a16:creationId xmlns:a16="http://schemas.microsoft.com/office/drawing/2014/main" id="{ABD1E0E5-0A56-4264-824A-3BB223652E4D}"/>
               </a:ext>
             </a:extLst>
           </p:cNvPr>
@@ -7214,20 +7288,20 @@
             <a:r>
               <a:rPr lang="en-US">
                 <a:solidFill>
-                  <a:srgbClr val="93E8FF"/>
+                  <a:srgbClr val="E9B86A"/>
                 </a:solidFill>
               </a:rPr>
-              <a:t>Permite ao utilizador adicionar eventos no calendário </a:t>
+              <a:t>Mostra as todas as noticias que estão na base de dados</a:t>
             </a:r>
           </a:p>
         </p:txBody>
       </p:sp>
       <p:pic>
         <p:nvPicPr>
-          <p:cNvPr id="85" name="Picture 84">
+          <p:cNvPr id="75" name="Picture 74">
             <a:extLst>
               <a:ext uri="{FF2B5EF4-FFF2-40B4-BE49-F238E27FC236}">
-                <a16:creationId xmlns:a16="http://schemas.microsoft.com/office/drawing/2014/main" id="{BBFC95FA-585A-433A-8ECF-D85700125B71}"/>
+                <a16:creationId xmlns:a16="http://schemas.microsoft.com/office/drawing/2014/main" id="{76AAFF90-89E1-46D5-B8B5-3BFDBB92D867}"/>
               </a:ext>
               <a:ext uri="{C183D7F6-B498-43B3-948B-1728B52AA6E4}">
                 <adec:decorative xmlns:adec="http://schemas.microsoft.com/office/drawing/2017/decorative" val="1"/>
@@ -7268,10 +7342,10 @@
       </p:pic>
       <p:pic>
         <p:nvPicPr>
-          <p:cNvPr id="4" name="Picture 14" descr="https://scontent.flis7-1.fna.fbcdn.net/v/t1.15752-9/47574453_574063929715111_3099129885466034176_n.jpg?_nc_cat=107&amp;_nc_ht=scontent.flis7-1.fna&amp;oh=572b217cf73b46d9e58a9d4ec8123fdb&amp;oe=5C936C7F">
+          <p:cNvPr id="1026" name="Picture 2" descr="https://media.discordapp.net/attachments/405567673808977922/521505000459993091/Screenshot_20181210-015429.jpg?width=283&amp;height=587">
             <a:extLst>
               <a:ext uri="{FF2B5EF4-FFF2-40B4-BE49-F238E27FC236}">
-                <a16:creationId xmlns:a16="http://schemas.microsoft.com/office/drawing/2014/main" id="{B36F835E-AA47-4C60-9712-EEFE9A0D3066}"/>
+                <a16:creationId xmlns:a16="http://schemas.microsoft.com/office/drawing/2014/main" id="{898AE67E-FB79-49C5-94A4-15534DDEE408}"/>
               </a:ext>
             </a:extLst>
           </p:cNvPr>
@@ -7295,8 +7369,8 @@
         </p:blipFill>
         <p:spPr bwMode="auto">
           <a:xfrm>
-            <a:off x="1769664" y="643464"/>
-            <a:ext cx="1299262" cy="2706796"/>
+            <a:off x="986829" y="563074"/>
+            <a:ext cx="2695575" cy="5591175"/>
           </a:xfrm>
           <a:prstGeom prst="rect">
             <a:avLst/>
@@ -7313,57 +7387,10 @@
           </a:extLst>
         </p:spPr>
       </p:pic>
-      <p:pic>
-        <p:nvPicPr>
-          <p:cNvPr id="5136" name="Picture 16" descr="https://scontent.flis7-1.fna.fbcdn.net/v/t1.15752-9/48216433_1970973473204220_9193029922564603904_n.jpg?_nc_cat=106&amp;_nc_ht=scontent.flis7-1.fna&amp;oh=42c2ba4bd1502047c55e9695fded992c&amp;oe=5C97B3DF">
-            <a:extLst>
-              <a:ext uri="{FF2B5EF4-FFF2-40B4-BE49-F238E27FC236}">
-                <a16:creationId xmlns:a16="http://schemas.microsoft.com/office/drawing/2014/main" id="{6706E439-E5DF-48FA-B828-61F95D4E47A5}"/>
-              </a:ext>
-            </a:extLst>
-          </p:cNvPr>
-          <p:cNvPicPr>
-            <a:picLocks noChangeAspect="1" noChangeArrowheads="1"/>
-          </p:cNvPicPr>
-          <p:nvPr/>
-        </p:nvPicPr>
-        <p:blipFill>
-          <a:blip r:embed="rId5">
-            <a:extLst>
-              <a:ext uri="{28A0092B-C50C-407E-A947-70E740481C1C}">
-                <a14:useLocalDpi xmlns:a14="http://schemas.microsoft.com/office/drawing/2010/main" val="0"/>
-              </a:ext>
-            </a:extLst>
-          </a:blip>
-          <a:srcRect/>
-          <a:stretch>
-            <a:fillRect/>
-          </a:stretch>
-        </p:blipFill>
-        <p:spPr bwMode="auto">
-          <a:xfrm>
-            <a:off x="1769664" y="3511127"/>
-            <a:ext cx="1299261" cy="2706794"/>
-          </a:xfrm>
-          <a:prstGeom prst="rect">
-            <a:avLst/>
-          </a:prstGeom>
-          <a:noFill/>
-          <a:extLst>
-            <a:ext uri="{909E8E84-426E-40DD-AFC4-6F175D3DCCD1}">
-              <a14:hiddenFill xmlns:a14="http://schemas.microsoft.com/office/drawing/2010/main">
-                <a:solidFill>
-                  <a:srgbClr val="FFFFFF"/>
-                </a:solidFill>
-              </a14:hiddenFill>
-            </a:ext>
-          </a:extLst>
-        </p:spPr>
-      </p:pic>
     </p:spTree>
     <p:extLst>
       <p:ext uri="{BB962C8B-B14F-4D97-AF65-F5344CB8AC3E}">
-        <p14:creationId xmlns:p14="http://schemas.microsoft.com/office/powerpoint/2010/main" val="1270113892"/>
+        <p14:creationId xmlns:p14="http://schemas.microsoft.com/office/powerpoint/2010/main" val="170606599"/>
       </p:ext>
     </p:extLst>
   </p:cSld>
@@ -7415,7 +7442,7 @@
           <p:cNvPr id="2" name="Título 1">
             <a:extLst>
               <a:ext uri="{FF2B5EF4-FFF2-40B4-BE49-F238E27FC236}">
-                <a16:creationId xmlns:a16="http://schemas.microsoft.com/office/drawing/2014/main" id="{FD0F87F3-2F8D-4B95-B640-924F77002131}"/>
+                <a16:creationId xmlns:a16="http://schemas.microsoft.com/office/drawing/2014/main" id="{58B6A454-25A1-4F83-93F7-129D2238C8DC}"/>
               </a:ext>
             </a:extLst>
           </p:cNvPr>
@@ -7439,10 +7466,9 @@
           <a:lstStyle/>
           <a:p>
             <a:r>
-              <a:rPr lang="en-US" sz="5400" dirty="0" err="1"/>
-              <a:t>Mapa</a:t>
-            </a:r>
-            <a:endParaRPr lang="en-US" sz="5400" dirty="0"/>
+              <a:rPr lang="en-US" sz="5400" dirty="0"/>
+              <a:t>Agenda</a:t>
+            </a:r>
           </a:p>
         </p:txBody>
       </p:sp>
@@ -7451,7 +7477,7 @@
           <p:cNvPr id="3" name="Marcador de Posição de Conteúdo 2">
             <a:extLst>
               <a:ext uri="{FF2B5EF4-FFF2-40B4-BE49-F238E27FC236}">
-                <a16:creationId xmlns:a16="http://schemas.microsoft.com/office/drawing/2014/main" id="{1DD6B707-10B0-429F-BA5D-48DA2161449C}"/>
+                <a16:creationId xmlns:a16="http://schemas.microsoft.com/office/drawing/2014/main" id="{2811C6D3-FA69-4117-B817-97FD1015C5E5}"/>
               </a:ext>
             </a:extLst>
           </p:cNvPr>
@@ -7478,25 +7504,17 @@
               <a:buNone/>
             </a:pPr>
             <a:r>
+              <a:rPr lang="en-US" dirty="0" err="1">
+                <a:solidFill>
+                  <a:srgbClr val="93E8FF"/>
+                </a:solidFill>
+              </a:rPr>
+              <a:t>Permite</a:t>
+            </a:r>
+            <a:r>
               <a:rPr lang="en-US" dirty="0">
                 <a:solidFill>
-                  <a:srgbClr val="FF6444"/>
-                </a:solidFill>
-              </a:rPr>
-              <a:t>O </a:t>
-            </a:r>
-            <a:r>
-              <a:rPr lang="en-US" dirty="0" err="1">
-                <a:solidFill>
-                  <a:srgbClr val="FF6444"/>
-                </a:solidFill>
-              </a:rPr>
-              <a:t>mapa</a:t>
-            </a:r>
-            <a:r>
-              <a:rPr lang="en-US" dirty="0">
-                <a:solidFill>
-                  <a:srgbClr val="FF6444"/>
+                  <a:srgbClr val="93E8FF"/>
                 </a:solidFill>
               </a:rPr>
               <a:t> </a:t>
@@ -7504,15 +7522,15 @@
             <a:r>
               <a:rPr lang="en-US" dirty="0" err="1">
                 <a:solidFill>
-                  <a:srgbClr val="FF6444"/>
+                  <a:srgbClr val="93E8FF"/>
                 </a:solidFill>
               </a:rPr>
-              <a:t>mostra</a:t>
+              <a:t>ao</a:t>
             </a:r>
             <a:r>
               <a:rPr lang="en-US" dirty="0">
                 <a:solidFill>
-                  <a:srgbClr val="FF6444"/>
+                  <a:srgbClr val="93E8FF"/>
                 </a:solidFill>
               </a:rPr>
               <a:t> </a:t>
@@ -7520,15 +7538,15 @@
             <a:r>
               <a:rPr lang="en-US" dirty="0" err="1">
                 <a:solidFill>
-                  <a:srgbClr val="FF6444"/>
+                  <a:srgbClr val="93E8FF"/>
                 </a:solidFill>
               </a:rPr>
-              <a:t>todos</a:t>
+              <a:t>utilizador</a:t>
             </a:r>
             <a:r>
               <a:rPr lang="en-US" dirty="0">
                 <a:solidFill>
-                  <a:srgbClr val="FF6444"/>
+                  <a:srgbClr val="93E8FF"/>
                 </a:solidFill>
               </a:rPr>
               <a:t> </a:t>
@@ -7536,15 +7554,15 @@
             <a:r>
               <a:rPr lang="en-US" dirty="0" err="1">
                 <a:solidFill>
-                  <a:srgbClr val="FF6444"/>
+                  <a:srgbClr val="93E8FF"/>
                 </a:solidFill>
               </a:rPr>
-              <a:t>os</a:t>
+              <a:t>adicionar</a:t>
             </a:r>
             <a:r>
               <a:rPr lang="en-US" dirty="0">
                 <a:solidFill>
-                  <a:srgbClr val="FF6444"/>
+                  <a:srgbClr val="93E8FF"/>
                 </a:solidFill>
               </a:rPr>
               <a:t> </a:t>
@@ -7552,15 +7570,15 @@
             <a:r>
               <a:rPr lang="en-US" dirty="0" err="1">
                 <a:solidFill>
-                  <a:srgbClr val="FF6444"/>
+                  <a:srgbClr val="93E8FF"/>
                 </a:solidFill>
               </a:rPr>
-              <a:t>ginasios</a:t>
+              <a:t>eventos</a:t>
             </a:r>
             <a:r>
               <a:rPr lang="en-US" dirty="0">
                 <a:solidFill>
-                  <a:srgbClr val="FF6444"/>
+                  <a:srgbClr val="93E8FF"/>
                 </a:solidFill>
               </a:rPr>
               <a:t> </a:t>
@@ -7568,7 +7586,23 @@
             <a:r>
               <a:rPr lang="en-US" dirty="0" err="1">
                 <a:solidFill>
-                  <a:srgbClr val="FF6444"/>
+                  <a:srgbClr val="93E8FF"/>
+                </a:solidFill>
+              </a:rPr>
+              <a:t>desportivos</a:t>
+            </a:r>
+            <a:r>
+              <a:rPr lang="en-US" dirty="0">
+                <a:solidFill>
+                  <a:srgbClr val="93E8FF"/>
+                </a:solidFill>
+              </a:rPr>
+              <a:t> </a:t>
+            </a:r>
+            <a:r>
+              <a:rPr lang="en-US" dirty="0" err="1">
+                <a:solidFill>
+                  <a:srgbClr val="93E8FF"/>
                 </a:solidFill>
               </a:rPr>
               <a:t>na</a:t>
@@ -7576,20 +7610,52 @@
             <a:r>
               <a:rPr lang="en-US" dirty="0">
                 <a:solidFill>
-                  <a:srgbClr val="FF6444"/>
+                  <a:srgbClr val="93E8FF"/>
                 </a:solidFill>
               </a:rPr>
-              <a:t> zona</a:t>
+              <a:t> agenda (a ser </a:t>
+            </a:r>
+            <a:r>
+              <a:rPr lang="en-US" dirty="0" err="1">
+                <a:solidFill>
+                  <a:srgbClr val="93E8FF"/>
+                </a:solidFill>
+              </a:rPr>
+              <a:t>desenvolvida</a:t>
+            </a:r>
+            <a:r>
+              <a:rPr lang="en-US" dirty="0">
+                <a:solidFill>
+                  <a:srgbClr val="93E8FF"/>
+                </a:solidFill>
+              </a:rPr>
+              <a:t> </a:t>
+            </a:r>
+            <a:r>
+              <a:rPr lang="en-US" dirty="0" err="1">
+                <a:solidFill>
+                  <a:srgbClr val="93E8FF"/>
+                </a:solidFill>
+              </a:rPr>
+              <a:t>em</a:t>
+            </a:r>
+            <a:r>
+              <a:rPr lang="en-US" dirty="0">
+                <a:solidFill>
+                  <a:srgbClr val="93E8FF"/>
+                </a:solidFill>
+              </a:rPr>
+              <a:t> React)</a:t>
             </a:r>
           </a:p>
         </p:txBody>
       </p:sp>
       <p:pic>
         <p:nvPicPr>
-          <p:cNvPr id="71" name="Picture 70">
+          <p:cNvPr id="85" name="Picture 84">
             <a:extLst>
               <a:ext uri="{FF2B5EF4-FFF2-40B4-BE49-F238E27FC236}">
-                <a16:creationId xmlns:a16="http://schemas.microsoft.com/office/drawing/2014/main" id="{76AAFF90-89E1-46D5-B8B5-3BFDBB92D867}"/>
+                <a16:creationId xmlns:a16="http://schemas.microsoft.com/office/drawing/2014/main" id="{BBFC95FA-585A-433A-8ECF-D85700125B71}"/>
               </a:ext>
               <a:ext uri="{C183D7F6-B498-43B3-948B-1728B52AA6E4}">
                 <adec:decorative xmlns:adec="http://schemas.microsoft.com/office/drawing/2017/decorative" val="1"/>
@@ -7630,10 +7696,10 @@
       </p:pic>
       <p:pic>
         <p:nvPicPr>
-          <p:cNvPr id="6148" name="Picture 4" descr="https://scontent.flis7-1.fna.fbcdn.net/v/t1.15752-9/48364528_334881080670006_7856543319612981248_n.jpg?_nc_cat=100&amp;_nc_ht=scontent.flis7-1.fna&amp;oh=d31aae68c87d9eb051b60236536b215c&amp;oe=5C9C4287">
+          <p:cNvPr id="4" name="Picture 14" descr="https://scontent.flis7-1.fna.fbcdn.net/v/t1.15752-9/47574453_574063929715111_3099129885466034176_n.jpg?_nc_cat=107&amp;_nc_ht=scontent.flis7-1.fna&amp;oh=572b217cf73b46d9e58a9d4ec8123fdb&amp;oe=5C936C7F">
             <a:extLst>
               <a:ext uri="{FF2B5EF4-FFF2-40B4-BE49-F238E27FC236}">
-                <a16:creationId xmlns:a16="http://schemas.microsoft.com/office/drawing/2014/main" id="{D948F48D-B906-4B11-AA8B-E4125A188961}"/>
+                <a16:creationId xmlns:a16="http://schemas.microsoft.com/office/drawing/2014/main" id="{B36F835E-AA47-4C60-9712-EEFE9A0D3066}"/>
               </a:ext>
             </a:extLst>
           </p:cNvPr>
@@ -7657,8 +7723,8 @@
         </p:blipFill>
         <p:spPr bwMode="auto">
           <a:xfrm>
-            <a:off x="977304" y="520548"/>
-            <a:ext cx="2714625" cy="5651652"/>
+            <a:off x="192655" y="219393"/>
+            <a:ext cx="2152980" cy="4485375"/>
           </a:xfrm>
           <a:prstGeom prst="rect">
             <a:avLst/>
@@ -7675,10 +7741,57 @@
           </a:extLst>
         </p:spPr>
       </p:pic>
+      <p:pic>
+        <p:nvPicPr>
+          <p:cNvPr id="5136" name="Picture 16" descr="https://scontent.flis7-1.fna.fbcdn.net/v/t1.15752-9/48216433_1970973473204220_9193029922564603904_n.jpg?_nc_cat=106&amp;_nc_ht=scontent.flis7-1.fna&amp;oh=42c2ba4bd1502047c55e9695fded992c&amp;oe=5C97B3DF">
+            <a:extLst>
+              <a:ext uri="{FF2B5EF4-FFF2-40B4-BE49-F238E27FC236}">
+                <a16:creationId xmlns:a16="http://schemas.microsoft.com/office/drawing/2014/main" id="{6706E439-E5DF-48FA-B828-61F95D4E47A5}"/>
+              </a:ext>
+            </a:extLst>
+          </p:cNvPr>
+          <p:cNvPicPr>
+            <a:picLocks noChangeAspect="1" noChangeArrowheads="1"/>
+          </p:cNvPicPr>
+          <p:nvPr/>
+        </p:nvPicPr>
+        <p:blipFill>
+          <a:blip r:embed="rId5">
+            <a:extLst>
+              <a:ext uri="{28A0092B-C50C-407E-A947-70E740481C1C}">
+                <a14:useLocalDpi xmlns:a14="http://schemas.microsoft.com/office/drawing/2010/main" val="0"/>
+              </a:ext>
+            </a:extLst>
+          </a:blip>
+          <a:srcRect/>
+          <a:stretch>
+            <a:fillRect/>
+          </a:stretch>
+        </p:blipFill>
+        <p:spPr bwMode="auto">
+          <a:xfrm>
+            <a:off x="2436269" y="2193318"/>
+            <a:ext cx="2152980" cy="4485375"/>
+          </a:xfrm>
+          <a:prstGeom prst="rect">
+            <a:avLst/>
+          </a:prstGeom>
+          <a:noFill/>
+          <a:extLst>
+            <a:ext uri="{909E8E84-426E-40DD-AFC4-6F175D3DCCD1}">
+              <a14:hiddenFill xmlns:a14="http://schemas.microsoft.com/office/drawing/2010/main">
+                <a:solidFill>
+                  <a:srgbClr val="FFFFFF"/>
+                </a:solidFill>
+              </a14:hiddenFill>
+            </a:ext>
+          </a:extLst>
+        </p:spPr>
+      </p:pic>
     </p:spTree>
     <p:extLst>
       <p:ext uri="{BB962C8B-B14F-4D97-AF65-F5344CB8AC3E}">
-        <p14:creationId xmlns:p14="http://schemas.microsoft.com/office/powerpoint/2010/main" val="3903760417"/>
+        <p14:creationId xmlns:p14="http://schemas.microsoft.com/office/powerpoint/2010/main" val="1270113892"/>
       </p:ext>
     </p:extLst>
   </p:cSld>
@@ -7730,6 +7843,310 @@
           <p:cNvPr id="2" name="Título 1">
             <a:extLst>
               <a:ext uri="{FF2B5EF4-FFF2-40B4-BE49-F238E27FC236}">
+                <a16:creationId xmlns:a16="http://schemas.microsoft.com/office/drawing/2014/main" id="{FD0F87F3-2F8D-4B95-B640-924F77002131}"/>
+              </a:ext>
+            </a:extLst>
+          </p:cNvPr>
+          <p:cNvSpPr>
+            <a:spLocks noGrp="1"/>
+          </p:cNvSpPr>
+          <p:nvPr>
+            <p:ph type="title"/>
+          </p:nvPr>
+        </p:nvSpPr>
+        <p:spPr>
+          <a:xfrm>
+            <a:off x="5369441" y="1233378"/>
+            <a:ext cx="5441285" cy="2364964"/>
+          </a:xfrm>
+        </p:spPr>
+        <p:txBody>
+          <a:bodyPr vert="horz" lIns="91440" tIns="45720" rIns="91440" bIns="45720" rtlCol="0" anchor="b">
+            <a:normAutofit/>
+          </a:bodyPr>
+          <a:lstStyle/>
+          <a:p>
+            <a:r>
+              <a:rPr lang="en-US" sz="5400" dirty="0" err="1"/>
+              <a:t>Mapa</a:t>
+            </a:r>
+            <a:endParaRPr lang="en-US" sz="5400" dirty="0"/>
+          </a:p>
+        </p:txBody>
+      </p:sp>
+      <p:sp>
+        <p:nvSpPr>
+          <p:cNvPr id="3" name="Marcador de Posição de Conteúdo 2">
+            <a:extLst>
+              <a:ext uri="{FF2B5EF4-FFF2-40B4-BE49-F238E27FC236}">
+                <a16:creationId xmlns:a16="http://schemas.microsoft.com/office/drawing/2014/main" id="{1DD6B707-10B0-429F-BA5D-48DA2161449C}"/>
+              </a:ext>
+            </a:extLst>
+          </p:cNvPr>
+          <p:cNvSpPr>
+            <a:spLocks noGrp="1"/>
+          </p:cNvSpPr>
+          <p:nvPr>
+            <p:ph idx="1"/>
+          </p:nvPr>
+        </p:nvSpPr>
+        <p:spPr>
+          <a:xfrm>
+            <a:off x="5369441" y="3598339"/>
+            <a:ext cx="5441286" cy="1675335"/>
+          </a:xfrm>
+        </p:spPr>
+        <p:txBody>
+          <a:bodyPr vert="horz" lIns="91440" tIns="45720" rIns="91440" bIns="45720" rtlCol="0" anchor="t">
+            <a:normAutofit/>
+          </a:bodyPr>
+          <a:lstStyle/>
+          <a:p>
+            <a:pPr marL="0" indent="0" algn="ctr">
+              <a:buNone/>
+            </a:pPr>
+            <a:r>
+              <a:rPr lang="en-US" dirty="0">
+                <a:solidFill>
+                  <a:srgbClr val="FF6444"/>
+                </a:solidFill>
+              </a:rPr>
+              <a:t>O </a:t>
+            </a:r>
+            <a:r>
+              <a:rPr lang="en-US" dirty="0" err="1">
+                <a:solidFill>
+                  <a:srgbClr val="FF6444"/>
+                </a:solidFill>
+              </a:rPr>
+              <a:t>mapa</a:t>
+            </a:r>
+            <a:r>
+              <a:rPr lang="en-US" dirty="0">
+                <a:solidFill>
+                  <a:srgbClr val="FF6444"/>
+                </a:solidFill>
+              </a:rPr>
+              <a:t> </a:t>
+            </a:r>
+            <a:r>
+              <a:rPr lang="en-US" dirty="0" err="1">
+                <a:solidFill>
+                  <a:srgbClr val="FF6444"/>
+                </a:solidFill>
+              </a:rPr>
+              <a:t>mostra</a:t>
+            </a:r>
+            <a:r>
+              <a:rPr lang="en-US" dirty="0">
+                <a:solidFill>
+                  <a:srgbClr val="FF6444"/>
+                </a:solidFill>
+              </a:rPr>
+              <a:t> </a:t>
+            </a:r>
+            <a:r>
+              <a:rPr lang="en-US" dirty="0" err="1">
+                <a:solidFill>
+                  <a:srgbClr val="FF6444"/>
+                </a:solidFill>
+              </a:rPr>
+              <a:t>todos</a:t>
+            </a:r>
+            <a:r>
+              <a:rPr lang="en-US" dirty="0">
+                <a:solidFill>
+                  <a:srgbClr val="FF6444"/>
+                </a:solidFill>
+              </a:rPr>
+              <a:t> </a:t>
+            </a:r>
+            <a:r>
+              <a:rPr lang="en-US" dirty="0" err="1">
+                <a:solidFill>
+                  <a:srgbClr val="FF6444"/>
+                </a:solidFill>
+              </a:rPr>
+              <a:t>os</a:t>
+            </a:r>
+            <a:r>
+              <a:rPr lang="en-US" dirty="0">
+                <a:solidFill>
+                  <a:srgbClr val="FF6444"/>
+                </a:solidFill>
+              </a:rPr>
+              <a:t> </a:t>
+            </a:r>
+            <a:r>
+              <a:rPr lang="en-US" dirty="0" err="1">
+                <a:solidFill>
+                  <a:srgbClr val="FF6444"/>
+                </a:solidFill>
+              </a:rPr>
+              <a:t>ginasios</a:t>
+            </a:r>
+            <a:r>
+              <a:rPr lang="en-US" dirty="0">
+                <a:solidFill>
+                  <a:srgbClr val="FF6444"/>
+                </a:solidFill>
+              </a:rPr>
+              <a:t> </a:t>
+            </a:r>
+            <a:r>
+              <a:rPr lang="en-US" dirty="0" err="1">
+                <a:solidFill>
+                  <a:srgbClr val="FF6444"/>
+                </a:solidFill>
+              </a:rPr>
+              <a:t>na</a:t>
+            </a:r>
+            <a:r>
+              <a:rPr lang="en-US" dirty="0">
+                <a:solidFill>
+                  <a:srgbClr val="FF6444"/>
+                </a:solidFill>
+              </a:rPr>
+              <a:t> zona</a:t>
+            </a:r>
+          </a:p>
+        </p:txBody>
+      </p:sp>
+      <p:pic>
+        <p:nvPicPr>
+          <p:cNvPr id="71" name="Picture 70">
+            <a:extLst>
+              <a:ext uri="{FF2B5EF4-FFF2-40B4-BE49-F238E27FC236}">
+                <a16:creationId xmlns:a16="http://schemas.microsoft.com/office/drawing/2014/main" id="{76AAFF90-89E1-46D5-B8B5-3BFDBB92D867}"/>
+              </a:ext>
+              <a:ext uri="{C183D7F6-B498-43B3-948B-1728B52AA6E4}">
+                <adec:decorative xmlns:adec="http://schemas.microsoft.com/office/drawing/2017/decorative" val="1"/>
+              </a:ext>
+            </a:extLst>
+          </p:cNvPr>
+          <p:cNvPicPr>
+            <a:picLocks noGrp="1" noRot="1" noChangeAspect="1" noMove="1" noResize="1" noEditPoints="1" noAdjustHandles="1" noChangeArrowheads="1" noChangeShapeType="1" noCrop="1"/>
+          </p:cNvPicPr>
+          <p:nvPr>
+            <p:extLst>
+              <p:ext uri="{386F3935-93C4-4BCD-93E2-E3B085C9AB24}">
+                <p16:designElem xmlns:p16="http://schemas.microsoft.com/office/powerpoint/2015/main" val="1"/>
+              </p:ext>
+            </p:extLst>
+          </p:nvPr>
+        </p:nvPicPr>
+        <p:blipFill rotWithShape="1">
+          <a:blip r:embed="rId3">
+            <a:extLst>
+              <a:ext uri="{28A0092B-C50C-407E-A947-70E740481C1C}">
+                <a14:useLocalDpi xmlns:a14="http://schemas.microsoft.com/office/drawing/2010/main" val="0"/>
+              </a:ext>
+            </a:extLst>
+          </a:blip>
+          <a:srcRect t="964" r="2807" b="1446"/>
+          <a:stretch/>
+        </p:blipFill>
+        <p:spPr>
+          <a:xfrm>
+            <a:off x="-10649" y="1"/>
+            <a:ext cx="4690532" cy="6858000"/>
+          </a:xfrm>
+          <a:prstGeom prst="rect">
+            <a:avLst/>
+          </a:prstGeom>
+        </p:spPr>
+      </p:pic>
+      <p:pic>
+        <p:nvPicPr>
+          <p:cNvPr id="5" name="Imagem 4">
+            <a:extLst>
+              <a:ext uri="{FF2B5EF4-FFF2-40B4-BE49-F238E27FC236}">
+                <a16:creationId xmlns:a16="http://schemas.microsoft.com/office/drawing/2014/main" id="{716646A0-3DDC-44E7-9C46-477A3ECA4E58}"/>
+              </a:ext>
+            </a:extLst>
+          </p:cNvPr>
+          <p:cNvPicPr>
+            <a:picLocks noChangeAspect="1"/>
+          </p:cNvPicPr>
+          <p:nvPr/>
+        </p:nvPicPr>
+        <p:blipFill>
+          <a:blip r:embed="rId4">
+            <a:extLst>
+              <a:ext uri="{28A0092B-C50C-407E-A947-70E740481C1C}">
+                <a14:useLocalDpi xmlns:a14="http://schemas.microsoft.com/office/drawing/2010/main" val="0"/>
+              </a:ext>
+            </a:extLst>
+          </a:blip>
+          <a:stretch>
+            <a:fillRect/>
+          </a:stretch>
+        </p:blipFill>
+        <p:spPr>
+          <a:xfrm>
+            <a:off x="684425" y="242291"/>
+            <a:ext cx="3099784" cy="6373418"/>
+          </a:xfrm>
+          <a:prstGeom prst="rect">
+            <a:avLst/>
+          </a:prstGeom>
+        </p:spPr>
+      </p:pic>
+    </p:spTree>
+    <p:extLst>
+      <p:ext uri="{BB962C8B-B14F-4D97-AF65-F5344CB8AC3E}">
+        <p14:creationId xmlns:p14="http://schemas.microsoft.com/office/powerpoint/2010/main" val="3903760417"/>
+      </p:ext>
+    </p:extLst>
+  </p:cSld>
+  <p:clrMapOvr>
+    <a:masterClrMapping/>
+  </p:clrMapOvr>
+</p:sld>
+</file>
+
+<file path=ppt/slides/slide7.xml><?xml version="1.0" encoding="utf-8"?>
+<p:sld xmlns:a="http://schemas.openxmlformats.org/drawingml/2006/main" xmlns:r="http://schemas.openxmlformats.org/officeDocument/2006/relationships" xmlns:p="http://schemas.openxmlformats.org/presentationml/2006/main">
+  <p:cSld>
+    <p:bg>
+      <p:bgPr>
+        <a:blipFill rotWithShape="1">
+          <a:blip r:embed="rId2">
+            <a:duotone>
+              <a:schemeClr val="bg2">
+                <a:shade val="80000"/>
+                <a:lumMod val="80000"/>
+              </a:schemeClr>
+              <a:schemeClr val="bg2">
+                <a:tint val="98000"/>
+              </a:schemeClr>
+            </a:duotone>
+            <a:extLst/>
+          </a:blip>
+          <a:stretch/>
+        </a:blipFill>
+        <a:effectLst/>
+      </p:bgPr>
+    </p:bg>
+    <p:spTree>
+      <p:nvGrpSpPr>
+        <p:cNvPr id="1" name=""/>
+        <p:cNvGrpSpPr/>
+        <p:nvPr/>
+      </p:nvGrpSpPr>
+      <p:grpSpPr>
+        <a:xfrm>
+          <a:off x="0" y="0"/>
+          <a:ext cx="0" cy="0"/>
+          <a:chOff x="0" y="0"/>
+          <a:chExt cx="0" cy="0"/>
+        </a:xfrm>
+      </p:grpSpPr>
+      <p:sp>
+        <p:nvSpPr>
+          <p:cNvPr id="2" name="Título 1">
+            <a:extLst>
+              <a:ext uri="{FF2B5EF4-FFF2-40B4-BE49-F238E27FC236}">
                 <a16:creationId xmlns:a16="http://schemas.microsoft.com/office/drawing/2014/main" id="{94CA71EE-B118-4E23-BFD6-680F0D78F798}"/>
               </a:ext>
             </a:extLst>
@@ -7875,8 +8292,8 @@
         </p:blipFill>
         <p:spPr bwMode="auto">
           <a:xfrm>
-            <a:off x="855315" y="535573"/>
-            <a:ext cx="2779565" cy="5786853"/>
+            <a:off x="57971" y="45954"/>
+            <a:ext cx="2276646" cy="4739812"/>
           </a:xfrm>
           <a:prstGeom prst="rect">
             <a:avLst/>
@@ -7891,6 +8308,42 @@
               </a14:hiddenFill>
             </a:ext>
           </a:extLst>
+        </p:spPr>
+      </p:pic>
+      <p:pic>
+        <p:nvPicPr>
+          <p:cNvPr id="5" name="Imagem 4">
+            <a:extLst>
+              <a:ext uri="{FF2B5EF4-FFF2-40B4-BE49-F238E27FC236}">
+                <a16:creationId xmlns:a16="http://schemas.microsoft.com/office/drawing/2014/main" id="{3B1EC7FD-D2DD-4FD3-90A4-B12552EE085C}"/>
+              </a:ext>
+            </a:extLst>
+          </p:cNvPr>
+          <p:cNvPicPr>
+            <a:picLocks noChangeAspect="1"/>
+          </p:cNvPicPr>
+          <p:nvPr/>
+        </p:nvPicPr>
+        <p:blipFill>
+          <a:blip r:embed="rId5">
+            <a:extLst>
+              <a:ext uri="{28A0092B-C50C-407E-A947-70E740481C1C}">
+                <a14:useLocalDpi xmlns:a14="http://schemas.microsoft.com/office/drawing/2010/main" val="0"/>
+              </a:ext>
+            </a:extLst>
+          </a:blip>
+          <a:stretch>
+            <a:fillRect/>
+          </a:stretch>
+        </p:blipFill>
+        <p:spPr>
+          <a:xfrm>
+            <a:off x="2368927" y="2095517"/>
+            <a:ext cx="2276646" cy="4680977"/>
+          </a:xfrm>
+          <a:prstGeom prst="rect">
+            <a:avLst/>
+          </a:prstGeom>
         </p:spPr>
       </p:pic>
     </p:spTree>
@@ -7906,7 +8359,7 @@
 </p:sld>
 </file>
 
-<file path=ppt/slides/slide7.xml><?xml version="1.0" encoding="utf-8"?>
+<file path=ppt/slides/slide8.xml><?xml version="1.0" encoding="utf-8"?>
 <p:sld xmlns:a="http://schemas.openxmlformats.org/drawingml/2006/main" xmlns:r="http://schemas.openxmlformats.org/officeDocument/2006/relationships" xmlns:p="http://schemas.openxmlformats.org/presentationml/2006/main">
   <p:cSld>
     <p:bg>
@@ -8104,8 +8557,8 @@
         </p:blipFill>
         <p:spPr bwMode="auto">
           <a:xfrm>
-            <a:off x="8597375" y="609601"/>
-            <a:ext cx="1209703" cy="2507158"/>
+            <a:off x="6921157" y="225287"/>
+            <a:ext cx="2203147" cy="4566111"/>
           </a:xfrm>
           <a:prstGeom prst="rect">
             <a:avLst/>
@@ -8151,8 +8604,8 @@
         </p:blipFill>
         <p:spPr bwMode="auto">
           <a:xfrm>
-            <a:off x="8597375" y="3277626"/>
-            <a:ext cx="1209703" cy="2507158"/>
+            <a:off x="9458766" y="1995701"/>
+            <a:ext cx="2203147" cy="4566111"/>
           </a:xfrm>
           <a:prstGeom prst="rect">
             <a:avLst/>
@@ -8182,7 +8635,7 @@
 </p:sld>
 </file>
 
-<file path=ppt/slides/slide8.xml><?xml version="1.0" encoding="utf-8"?>
+<file path=ppt/slides/slide9.xml><?xml version="1.0" encoding="utf-8"?>
 <p:sld xmlns:a="http://schemas.openxmlformats.org/drawingml/2006/main" xmlns:r="http://schemas.openxmlformats.org/officeDocument/2006/relationships" xmlns:p="http://schemas.openxmlformats.org/presentationml/2006/main">
   <p:cSld>
     <p:bg>
@@ -8369,7 +8822,7 @@
         </p:blipFill>
         <p:spPr bwMode="auto">
           <a:xfrm>
-            <a:off x="670643" y="2552982"/>
+            <a:off x="670643" y="260356"/>
             <a:ext cx="3497302" cy="1748651"/>
           </a:xfrm>
           <a:prstGeom prst="rect">
@@ -8416,55 +8869,8 @@
         </p:blipFill>
         <p:spPr bwMode="auto">
           <a:xfrm>
-            <a:off x="1996616" y="4465885"/>
-            <a:ext cx="845357" cy="1752036"/>
-          </a:xfrm>
-          <a:prstGeom prst="rect">
-            <a:avLst/>
-          </a:prstGeom>
-          <a:noFill/>
-          <a:extLst>
-            <a:ext uri="{909E8E84-426E-40DD-AFC4-6F175D3DCCD1}">
-              <a14:hiddenFill xmlns:a14="http://schemas.microsoft.com/office/drawing/2010/main">
-                <a:solidFill>
-                  <a:srgbClr val="FFFFFF"/>
-                </a:solidFill>
-              </a14:hiddenFill>
-            </a:ext>
-          </a:extLst>
-        </p:spPr>
-      </p:pic>
-      <p:pic>
-        <p:nvPicPr>
-          <p:cNvPr id="4098" name="Picture 2" descr="https://scontent.flis7-1.fna.fbcdn.net/v/t1.15752-9/s2048x2048/47575548_2219993944994282_813242827612880896_n.jpg?_nc_cat=108&amp;_nc_ht=scontent.flis7-1.fna&amp;oh=c31c689c571ca1388242b18af727b478&amp;oe=5CA727A9">
-            <a:extLst>
-              <a:ext uri="{FF2B5EF4-FFF2-40B4-BE49-F238E27FC236}">
-                <a16:creationId xmlns:a16="http://schemas.microsoft.com/office/drawing/2014/main" id="{86CC9B73-371C-4599-80BB-A2E769FEDF88}"/>
-              </a:ext>
-            </a:extLst>
-          </p:cNvPr>
-          <p:cNvPicPr>
-            <a:picLocks noChangeAspect="1" noChangeArrowheads="1"/>
-          </p:cNvPicPr>
-          <p:nvPr/>
-        </p:nvPicPr>
-        <p:blipFill>
-          <a:blip r:embed="rId6">
-            <a:extLst>
-              <a:ext uri="{28A0092B-C50C-407E-A947-70E740481C1C}">
-                <a14:useLocalDpi xmlns:a14="http://schemas.microsoft.com/office/drawing/2010/main" val="0"/>
-              </a:ext>
-            </a:extLst>
-          </a:blip>
-          <a:srcRect/>
-          <a:stretch>
-            <a:fillRect/>
-          </a:stretch>
-        </p:blipFill>
-        <p:spPr bwMode="auto">
-          <a:xfrm>
-            <a:off x="670644" y="643464"/>
-            <a:ext cx="3497302" cy="1748651"/>
+            <a:off x="1558539" y="2379646"/>
+            <a:ext cx="1728000" cy="3581349"/>
           </a:xfrm>
           <a:prstGeom prst="rect">
             <a:avLst/>
